--- a/documents/Presentation3.pptx
+++ b/documents/Presentation3.pptx
@@ -113,6 +113,11 @@
       </a:defRPr>
     </a:lvl9pPr>
   </p:defaultTextStyle>
+  <p:extLst>
+    <p:ext uri="{EFAFB233-063F-42B5-8137-9DF3F51BA10A}">
+      <p15:sldGuideLst xmlns:p15="http://schemas.microsoft.com/office/powerpoint/2012/main"/>
+    </p:ext>
+  </p:extLst>
 </p:presentation>
 </file>
 
@@ -287,7 +292,7 @@
           <a:p>
             <a:fld id="{48A87A34-81AB-432B-8DAE-1953F412C126}" type="datetimeFigureOut">
               <a:rPr lang="en-US" dirty="0"/>
-              <a:t>2/27/17</a:t>
+              <a:t>2/28/17</a:t>
             </a:fld>
             <a:endParaRPr lang="en-US" dirty="0"/>
           </a:p>
@@ -594,7 +599,7 @@
           <a:p>
             <a:fld id="{48A87A34-81AB-432B-8DAE-1953F412C126}" type="datetimeFigureOut">
               <a:rPr lang="en-US" dirty="0"/>
-              <a:t>2/27/17</a:t>
+              <a:t>2/28/17</a:t>
             </a:fld>
             <a:endParaRPr lang="en-US" dirty="0"/>
           </a:p>
@@ -811,7 +816,7 @@
           <a:p>
             <a:fld id="{48A87A34-81AB-432B-8DAE-1953F412C126}" type="datetimeFigureOut">
               <a:rPr lang="en-US" dirty="0"/>
-              <a:t>2/27/17</a:t>
+              <a:t>2/28/17</a:t>
             </a:fld>
             <a:endParaRPr lang="en-US" dirty="0"/>
           </a:p>
@@ -1097,7 +1102,7 @@
           <a:p>
             <a:fld id="{48A87A34-81AB-432B-8DAE-1953F412C126}" type="datetimeFigureOut">
               <a:rPr lang="en-US" dirty="0"/>
-              <a:t>2/27/17</a:t>
+              <a:t>2/28/17</a:t>
             </a:fld>
             <a:endParaRPr lang="en-US" dirty="0"/>
           </a:p>
@@ -1546,7 +1551,7 @@
           <a:p>
             <a:fld id="{48A87A34-81AB-432B-8DAE-1953F412C126}" type="datetimeFigureOut">
               <a:rPr lang="en-US" dirty="0"/>
-              <a:t>2/27/17</a:t>
+              <a:t>2/28/17</a:t>
             </a:fld>
             <a:endParaRPr lang="en-US" dirty="0"/>
           </a:p>
@@ -2117,7 +2122,7 @@
           <a:p>
             <a:fld id="{48A87A34-81AB-432B-8DAE-1953F412C126}" type="datetimeFigureOut">
               <a:rPr lang="en-US" dirty="0"/>
-              <a:t>2/27/17</a:t>
+              <a:t>2/28/17</a:t>
             </a:fld>
             <a:endParaRPr lang="en-US" dirty="0"/>
           </a:p>
@@ -2964,7 +2969,7 @@
           <a:p>
             <a:fld id="{48A87A34-81AB-432B-8DAE-1953F412C126}" type="datetimeFigureOut">
               <a:rPr lang="en-US" dirty="0"/>
-              <a:t>2/27/17</a:t>
+              <a:t>2/28/17</a:t>
             </a:fld>
             <a:endParaRPr lang="en-US" dirty="0"/>
           </a:p>
@@ -3164,7 +3169,7 @@
           <a:p>
             <a:fld id="{48A87A34-81AB-432B-8DAE-1953F412C126}" type="datetimeFigureOut">
               <a:rPr lang="en-US" dirty="0"/>
-              <a:t>2/27/17</a:t>
+              <a:t>2/28/17</a:t>
             </a:fld>
             <a:endParaRPr lang="en-US" dirty="0"/>
           </a:p>
@@ -3373,7 +3378,7 @@
           <a:p>
             <a:fld id="{48A87A34-81AB-432B-8DAE-1953F412C126}" type="datetimeFigureOut">
               <a:rPr lang="en-US" dirty="0"/>
-              <a:t>2/27/17</a:t>
+              <a:t>2/28/17</a:t>
             </a:fld>
             <a:endParaRPr lang="en-US" dirty="0"/>
           </a:p>
@@ -3573,7 +3578,7 @@
           <a:p>
             <a:fld id="{48A87A34-81AB-432B-8DAE-1953F412C126}" type="datetimeFigureOut">
               <a:rPr lang="en-US" dirty="0"/>
-              <a:t>2/27/17</a:t>
+              <a:t>2/28/17</a:t>
             </a:fld>
             <a:endParaRPr lang="en-US" dirty="0"/>
           </a:p>
@@ -3848,7 +3853,7 @@
           <a:p>
             <a:fld id="{48A87A34-81AB-432B-8DAE-1953F412C126}" type="datetimeFigureOut">
               <a:rPr lang="en-US" dirty="0"/>
-              <a:t>2/27/17</a:t>
+              <a:t>2/28/17</a:t>
             </a:fld>
             <a:endParaRPr lang="en-US" dirty="0"/>
           </a:p>
@@ -4110,7 +4115,7 @@
           <a:p>
             <a:fld id="{48A87A34-81AB-432B-8DAE-1953F412C126}" type="datetimeFigureOut">
               <a:rPr lang="en-US" dirty="0"/>
-              <a:t>2/27/17</a:t>
+              <a:t>2/28/17</a:t>
             </a:fld>
             <a:endParaRPr lang="en-US" dirty="0"/>
           </a:p>
@@ -4520,7 +4525,7 @@
           <a:p>
             <a:fld id="{48A87A34-81AB-432B-8DAE-1953F412C126}" type="datetimeFigureOut">
               <a:rPr lang="en-US" dirty="0"/>
-              <a:t>2/27/17</a:t>
+              <a:t>2/28/17</a:t>
             </a:fld>
             <a:endParaRPr lang="en-US" dirty="0"/>
           </a:p>
@@ -4663,7 +4668,7 @@
           <a:p>
             <a:fld id="{48A87A34-81AB-432B-8DAE-1953F412C126}" type="datetimeFigureOut">
               <a:rPr lang="en-US" dirty="0"/>
-              <a:t>2/27/17</a:t>
+              <a:t>2/28/17</a:t>
             </a:fld>
             <a:endParaRPr lang="en-US" dirty="0"/>
           </a:p>
@@ -4783,7 +4788,7 @@
           <a:p>
             <a:fld id="{48A87A34-81AB-432B-8DAE-1953F412C126}" type="datetimeFigureOut">
               <a:rPr lang="en-US" dirty="0"/>
-              <a:t>2/27/17</a:t>
+              <a:t>2/28/17</a:t>
             </a:fld>
             <a:endParaRPr lang="en-US" dirty="0"/>
           </a:p>
@@ -5057,7 +5062,7 @@
           <a:p>
             <a:fld id="{48A87A34-81AB-432B-8DAE-1953F412C126}" type="datetimeFigureOut">
               <a:rPr lang="en-US" dirty="0"/>
-              <a:t>2/27/17</a:t>
+              <a:t>2/28/17</a:t>
             </a:fld>
             <a:endParaRPr lang="en-US" dirty="0"/>
           </a:p>
@@ -5364,7 +5369,7 @@
           <a:p>
             <a:fld id="{48A87A34-81AB-432B-8DAE-1953F412C126}" type="datetimeFigureOut">
               <a:rPr lang="en-US" dirty="0"/>
-              <a:t>2/27/17</a:t>
+              <a:t>2/28/17</a:t>
             </a:fld>
             <a:endParaRPr lang="en-US" dirty="0"/>
           </a:p>
@@ -5613,7 +5618,7 @@
             <a:fld id="{48A87A34-81AB-432B-8DAE-1953F412C126}" type="datetimeFigureOut">
               <a:rPr lang="en-US" dirty="0"/>
               <a:pPr/>
-              <a:t>2/27/17</a:t>
+              <a:t>2/28/17</a:t>
             </a:fld>
             <a:endParaRPr lang="en-US" dirty="0"/>
           </a:p>
@@ -6105,13 +6110,18 @@
           <a:lstStyle/>
           <a:p>
             <a:r>
-              <a:rPr lang="en-US" sz="2400" dirty="0" smtClean="0"/>
-              <a:t>Group</a:t>
+              <a:rPr lang="en-US" altLang="zh-CN" sz="2400" dirty="0" smtClean="0"/>
+              <a:t>t</a:t>
+            </a:r>
+            <a:r>
+              <a:rPr lang="en-US" altLang="zh-CN" sz="2400" dirty="0" smtClean="0"/>
+              <a:t>eam</a:t>
             </a:r>
             <a:r>
               <a:rPr lang="en-US" dirty="0" smtClean="0"/>
-              <a:t>: Falcon</a:t>
-            </a:r>
+              <a:t>: Falcons</a:t>
+            </a:r>
+            <a:endParaRPr lang="en-US" dirty="0" smtClean="0"/>
           </a:p>
           <a:p>
             <a:r>
@@ -6144,7 +6154,7 @@
             </a:r>
             <a:r>
               <a:rPr lang="en-US" dirty="0" err="1" smtClean="0"/>
-              <a:t>chao</a:t>
+              <a:t>chaohui</a:t>
             </a:r>
             <a:r>
               <a:rPr lang="en-US" dirty="0" smtClean="0"/>
@@ -6152,7 +6162,7 @@
             </a:r>
             <a:r>
               <a:rPr lang="en-US" dirty="0" err="1" smtClean="0"/>
-              <a:t>huixu</a:t>
+              <a:t>xu</a:t>
             </a:r>
             <a:endParaRPr lang="en-US" dirty="0"/>
           </a:p>
@@ -6904,12 +6914,12 @@
               <a:t>Develop </a:t>
             </a:r>
             <a:r>
-              <a:rPr lang="en-US" sz="2400" cap="none" dirty="0" err="1" smtClean="0"/>
-              <a:t>gui</a:t>
+              <a:rPr lang="en-US" sz="2400" cap="none" dirty="0"/>
+              <a:t>GUI to </a:t>
             </a:r>
             <a:r>
               <a:rPr lang="en-US" sz="2400" cap="none" dirty="0" smtClean="0"/>
-              <a:t> to show all run information</a:t>
+              <a:t>show all run information</a:t>
             </a:r>
             <a:r>
               <a:rPr lang="zh-CN" altLang="en-US" sz="2400" cap="none" dirty="0" smtClean="0"/>
@@ -7075,7 +7085,7 @@
         </p:blipFill>
         <p:spPr>
           <a:xfrm>
-            <a:off x="1408113" y="2959100"/>
+            <a:off x="1614488" y="2984776"/>
             <a:ext cx="8550275" cy="3498850"/>
           </a:xfrm>
           <a:prstGeom prst="rect">

--- a/documents/Presentation3.pptx
+++ b/documents/Presentation3.pptx
@@ -6111,17 +6111,12 @@
           <a:p>
             <a:r>
               <a:rPr lang="en-US" altLang="zh-CN" sz="2400" dirty="0" smtClean="0"/>
-              <a:t>t</a:t>
-            </a:r>
-            <a:r>
-              <a:rPr lang="en-US" altLang="zh-CN" sz="2400" dirty="0" smtClean="0"/>
-              <a:t>eam</a:t>
+              <a:t>team</a:t>
             </a:r>
             <a:r>
               <a:rPr lang="en-US" dirty="0" smtClean="0"/>
               <a:t>: Falcons</a:t>
             </a:r>
-            <a:endParaRPr lang="en-US" dirty="0" smtClean="0"/>
           </a:p>
           <a:p>
             <a:r>
@@ -6673,32 +6668,37 @@
             </a:r>
           </a:p>
           <a:p>
-            <a:r>
-              <a:rPr lang="en-US" sz="2400" cap="none" dirty="0" smtClean="0"/>
-              <a:t>Develop GUI to show the details about the agents in each node in graphical view</a:t>
-            </a:r>
-            <a:r>
-              <a:rPr lang="zh-CN" altLang="en-US" sz="2400" cap="none" dirty="0" smtClean="0"/>
-              <a:t> </a:t>
-            </a:r>
-            <a:r>
-              <a:rPr lang="en-US" altLang="zh-CN" sz="2400" cap="none" dirty="0" smtClean="0"/>
-              <a:t>(</a:t>
-            </a:r>
-            <a:r>
-              <a:rPr lang="en-US" altLang="zh-CN" sz="2400" cap="none" dirty="0" err="1" smtClean="0"/>
-              <a:t>chaohui</a:t>
-            </a:r>
-            <a:r>
-              <a:rPr lang="en-US" altLang="zh-CN" sz="2400" cap="none" dirty="0" smtClean="0"/>
-              <a:t>)</a:t>
-            </a:r>
-          </a:p>
-          <a:p>
-            <a:endParaRPr lang="en-US" dirty="0"/>
-          </a:p>
-        </p:txBody>
-      </p:sp>
+            <a:pPr marL="0" indent="0">
+              <a:buNone/>
+            </a:pPr>
+            <a:endParaRPr lang="en-US" dirty="0"/>
+          </a:p>
+        </p:txBody>
+      </p:sp>
+      <p:pic>
+        <p:nvPicPr>
+          <p:cNvPr id="4" name="Picture 3"/>
+          <p:cNvPicPr>
+            <a:picLocks noChangeAspect="1"/>
+          </p:cNvPicPr>
+          <p:nvPr/>
+        </p:nvPicPr>
+        <p:blipFill>
+          <a:blip r:embed="rId2"/>
+          <a:stretch>
+            <a:fillRect/>
+          </a:stretch>
+        </p:blipFill>
+        <p:spPr>
+          <a:xfrm>
+            <a:off x="913775" y="3127375"/>
+            <a:ext cx="9677400" cy="1003300"/>
+          </a:xfrm>
+          <a:prstGeom prst="rect">
+            <a:avLst/>
+          </a:prstGeom>
+        </p:spPr>
+      </p:pic>
     </p:spTree>
     <p:extLst>
       <p:ext uri="{BB962C8B-B14F-4D97-AF65-F5344CB8AC3E}">
@@ -6778,39 +6778,58 @@
             </a:r>
           </a:p>
           <a:p>
-            <a:r>
-              <a:rPr lang="en-US" sz="2400" cap="none" dirty="0" smtClean="0"/>
-              <a:t>Set up DB for storing run information (sheng </a:t>
-            </a:r>
-            <a:r>
-              <a:rPr lang="en-US" sz="2400" cap="none" dirty="0" err="1" smtClean="0"/>
-              <a:t>zhang</a:t>
-            </a:r>
-            <a:r>
-              <a:rPr lang="en-US" sz="2400" cap="none" dirty="0" smtClean="0"/>
-              <a:t>)</a:t>
-            </a:r>
-          </a:p>
-          <a:p>
-            <a:r>
-              <a:rPr lang="en-US" sz="2400" cap="none" dirty="0" smtClean="0"/>
-              <a:t>Develop DB access code for storing and retrieving run information (</a:t>
-            </a:r>
-            <a:r>
-              <a:rPr lang="en-US" sz="2400" cap="none" dirty="0" err="1" smtClean="0"/>
-              <a:t>chaohui</a:t>
-            </a:r>
-            <a:r>
-              <a:rPr lang="en-US" sz="2400" cap="none" dirty="0" smtClean="0"/>
-              <a:t>)</a:t>
-            </a:r>
-            <a:endParaRPr lang="zh-CN" altLang="en-US" sz="2400" cap="none" dirty="0" smtClean="0"/>
-          </a:p>
-          <a:p>
             <a:endParaRPr lang="en-US" altLang="zh-CN" cap="none" dirty="0" smtClean="0"/>
           </a:p>
         </p:txBody>
       </p:sp>
+      <p:pic>
+        <p:nvPicPr>
+          <p:cNvPr id="4" name="Picture 3"/>
+          <p:cNvPicPr>
+            <a:picLocks noChangeAspect="1"/>
+          </p:cNvPicPr>
+          <p:nvPr/>
+        </p:nvPicPr>
+        <p:blipFill>
+          <a:blip r:embed="rId2"/>
+          <a:stretch>
+            <a:fillRect/>
+          </a:stretch>
+        </p:blipFill>
+        <p:spPr>
+          <a:xfrm>
+            <a:off x="1257300" y="2908300"/>
+            <a:ext cx="9677400" cy="1041400"/>
+          </a:xfrm>
+          <a:prstGeom prst="rect">
+            <a:avLst/>
+          </a:prstGeom>
+        </p:spPr>
+      </p:pic>
+      <p:pic>
+        <p:nvPicPr>
+          <p:cNvPr id="5" name="Picture 4"/>
+          <p:cNvPicPr>
+            <a:picLocks noChangeAspect="1"/>
+          </p:cNvPicPr>
+          <p:nvPr/>
+        </p:nvPicPr>
+        <p:blipFill>
+          <a:blip r:embed="rId3"/>
+          <a:stretch>
+            <a:fillRect/>
+          </a:stretch>
+        </p:blipFill>
+        <p:spPr>
+          <a:xfrm>
+            <a:off x="1257300" y="3949700"/>
+            <a:ext cx="9639300" cy="1219200"/>
+          </a:xfrm>
+          <a:prstGeom prst="rect">
+            <a:avLst/>
+          </a:prstGeom>
+        </p:spPr>
+      </p:pic>
     </p:spTree>
     <p:extLst>
       <p:ext uri="{BB962C8B-B14F-4D97-AF65-F5344CB8AC3E}">
@@ -6905,78 +6924,45 @@
             </a:r>
             <a:r>
               <a:rPr lang="en-US" sz="2400" cap="none" dirty="0" smtClean="0"/>
-              <a:t>algorithm.</a:t>
-            </a:r>
-          </a:p>
-          <a:p>
+              <a:t>algorithm</a:t>
+            </a:r>
             <a:r>
               <a:rPr lang="en-US" sz="2400" cap="none" dirty="0" smtClean="0"/>
-              <a:t>Develop </a:t>
-            </a:r>
-            <a:r>
-              <a:rPr lang="en-US" sz="2400" cap="none" dirty="0"/>
-              <a:t>GUI to </a:t>
-            </a:r>
-            <a:r>
-              <a:rPr lang="en-US" sz="2400" cap="none" dirty="0" smtClean="0"/>
-              <a:t>show all run information</a:t>
-            </a:r>
-            <a:r>
-              <a:rPr lang="zh-CN" altLang="en-US" sz="2400" cap="none" dirty="0" smtClean="0"/>
-              <a:t> </a:t>
-            </a:r>
-            <a:r>
-              <a:rPr lang="en-US" altLang="zh-CN" sz="2400" cap="none" dirty="0" smtClean="0"/>
-              <a:t>(</a:t>
-            </a:r>
-            <a:r>
-              <a:rPr lang="en-US" altLang="zh-CN" sz="2400" cap="none" dirty="0" err="1" smtClean="0"/>
-              <a:t>yifan</a:t>
-            </a:r>
-            <a:r>
-              <a:rPr lang="en-US" altLang="zh-CN" sz="2400" cap="none" dirty="0" smtClean="0"/>
-              <a:t>)</a:t>
-            </a:r>
-          </a:p>
-          <a:p>
-            <a:r>
-              <a:rPr lang="en-US" sz="2400" cap="none" dirty="0" smtClean="0"/>
-              <a:t>Develop GUI to filter history runs</a:t>
-            </a:r>
-            <a:r>
-              <a:rPr lang="zh-CN" altLang="en-US" sz="2400" cap="none" dirty="0" smtClean="0"/>
-              <a:t> </a:t>
-            </a:r>
-            <a:r>
-              <a:rPr lang="en-US" altLang="zh-CN" sz="2400" cap="none" dirty="0" smtClean="0"/>
-              <a:t>(</a:t>
-            </a:r>
-            <a:r>
-              <a:rPr lang="en-US" altLang="zh-CN" sz="2400" cap="none" dirty="0" err="1" smtClean="0"/>
-              <a:t>yifan</a:t>
-            </a:r>
-            <a:r>
-              <a:rPr lang="en-US" altLang="zh-CN" sz="2400" cap="none" dirty="0" smtClean="0"/>
-              <a:t>)</a:t>
-            </a:r>
-          </a:p>
-          <a:p>
-            <a:r>
-              <a:rPr lang="en-US" sz="2400" cap="none" dirty="0" smtClean="0"/>
-              <a:t>Develop DB access code for storing and retrieving run information (</a:t>
-            </a:r>
-            <a:r>
-              <a:rPr lang="en-US" sz="2400" cap="none" dirty="0" err="1" smtClean="0"/>
-              <a:t>chaohui</a:t>
-            </a:r>
-            <a:r>
-              <a:rPr lang="en-US" sz="2400" cap="none" dirty="0" smtClean="0"/>
-              <a:t>)</a:t>
-            </a:r>
-            <a:endParaRPr lang="zh-CN" altLang="en-US" sz="2400" cap="none" dirty="0"/>
-          </a:p>
-        </p:txBody>
-      </p:sp>
+              <a:t>.</a:t>
+            </a:r>
+          </a:p>
+          <a:p>
+            <a:pPr marL="0" indent="0">
+              <a:buNone/>
+            </a:pPr>
+            <a:endParaRPr lang="en-US" sz="2400" cap="none" dirty="0" smtClean="0"/>
+          </a:p>
+        </p:txBody>
+      </p:sp>
+      <p:pic>
+        <p:nvPicPr>
+          <p:cNvPr id="4" name="Picture 3"/>
+          <p:cNvPicPr>
+            <a:picLocks noChangeAspect="1"/>
+          </p:cNvPicPr>
+          <p:nvPr/>
+        </p:nvPicPr>
+        <p:blipFill>
+          <a:blip r:embed="rId2"/>
+          <a:stretch>
+            <a:fillRect/>
+          </a:stretch>
+        </p:blipFill>
+        <p:spPr>
+          <a:xfrm>
+            <a:off x="913774" y="3525837"/>
+            <a:ext cx="9448800" cy="3035300"/>
+          </a:xfrm>
+          <a:prstGeom prst="rect">
+            <a:avLst/>
+          </a:prstGeom>
+        </p:spPr>
+      </p:pic>
     </p:spTree>
     <p:extLst>
       <p:ext uri="{BB962C8B-B14F-4D97-AF65-F5344CB8AC3E}">
